--- a/Data doctors.pptx
+++ b/Data doctors.pptx
@@ -5,32 +5,34 @@
     <p:sldMasterId id="2147483673" r:id="rId1"/>
   </p:sldMasterIdLst>
   <p:notesMasterIdLst>
-    <p:notesMasterId r:id="rId11"/>
+    <p:notesMasterId r:id="rId13"/>
   </p:notesMasterIdLst>
   <p:handoutMasterIdLst>
-    <p:handoutMasterId r:id="rId12"/>
+    <p:handoutMasterId r:id="rId14"/>
   </p:handoutMasterIdLst>
   <p:sldIdLst>
     <p:sldId id="841" r:id="rId2"/>
-    <p:sldId id="846" r:id="rId3"/>
-    <p:sldId id="874" r:id="rId4"/>
-    <p:sldId id="855" r:id="rId5"/>
-    <p:sldId id="867" r:id="rId6"/>
+    <p:sldId id="877" r:id="rId3"/>
+    <p:sldId id="846" r:id="rId4"/>
+    <p:sldId id="874" r:id="rId5"/>
+    <p:sldId id="855" r:id="rId6"/>
     <p:sldId id="875" r:id="rId7"/>
-    <p:sldId id="866" r:id="rId8"/>
-    <p:sldId id="873" r:id="rId9"/>
-    <p:sldId id="871" r:id="rId10"/>
+    <p:sldId id="878" r:id="rId8"/>
+    <p:sldId id="879" r:id="rId9"/>
+    <p:sldId id="866" r:id="rId10"/>
+    <p:sldId id="873" r:id="rId11"/>
+    <p:sldId id="871" r:id="rId12"/>
   </p:sldIdLst>
   <p:sldSz cx="12190413" cy="6858000"/>
   <p:notesSz cx="6669088" cy="9926638"/>
   <p:embeddedFontLst>
     <p:embeddedFont>
       <p:font typeface="Bebas Neue" panose="020B0606020202050201" pitchFamily="34" charset="0"/>
-      <p:regular r:id="rId13"/>
+      <p:regular r:id="rId15"/>
     </p:embeddedFont>
   </p:embeddedFontLst>
   <p:custDataLst>
-    <p:tags r:id="rId14"/>
+    <p:tags r:id="rId16"/>
   </p:custDataLst>
   <p:defaultTextStyle>
     <a:defPPr>
@@ -890,7 +892,7 @@
           <a:p>
             <a:fld id="{8450B8FC-714E-48A2-8E44-56D25F758704}" type="datetimeFigureOut">
               <a:rPr lang="de-DE" smtClean="0"/>
-              <a:t>29.01.2024</a:t>
+              <a:t>31.01.2024</a:t>
             </a:fld>
             <a:endParaRPr lang="de-DE" dirty="0"/>
           </a:p>
@@ -1056,7 +1058,7 @@
             <a:fld id="{569C9874-DE1E-48CB-A603-4C70CD126593}" type="datetimeFigureOut">
               <a:rPr lang="de-DE" smtClean="0"/>
               <a:pPr/>
-              <a:t>29.01.2024</a:t>
+              <a:t>31.01.2024</a:t>
             </a:fld>
             <a:endParaRPr lang="de-DE" dirty="0"/>
           </a:p>
@@ -1395,7 +1397,7 @@
             <a:fld id="{C14CEB38-DA38-4F43-AFB8-94FE45CA5866}" type="slidenum">
               <a:rPr lang="en-US" smtClean="0"/>
               <a:pPr/>
-              <a:t>4</a:t>
+              <a:t>5</a:t>
             </a:fld>
             <a:endParaRPr lang="en-US" dirty="0"/>
           </a:p>
@@ -1483,95 +1485,7 @@
             <a:fld id="{C14CEB38-DA38-4F43-AFB8-94FE45CA5866}" type="slidenum">
               <a:rPr lang="en-US" smtClean="0"/>
               <a:pPr/>
-              <a:t>5</a:t>
-            </a:fld>
-            <a:endParaRPr lang="en-US" dirty="0"/>
-          </a:p>
-        </p:txBody>
-      </p:sp>
-    </p:spTree>
-    <p:extLst>
-      <p:ext uri="{BB962C8B-B14F-4D97-AF65-F5344CB8AC3E}">
-        <p14:creationId xmlns:p14="http://schemas.microsoft.com/office/powerpoint/2010/main" val="1279034933"/>
-      </p:ext>
-    </p:extLst>
-  </p:cSld>
-  <p:clrMapOvr>
-    <a:masterClrMapping/>
-  </p:clrMapOvr>
-</p:notes>
-</file>
-
-<file path=ppt/notesSlides/notesSlide3.xml><?xml version="1.0" encoding="utf-8"?>
-<p:notes xmlns:a="http://schemas.openxmlformats.org/drawingml/2006/main" xmlns:r="http://schemas.openxmlformats.org/officeDocument/2006/relationships" xmlns:p="http://schemas.openxmlformats.org/presentationml/2006/main">
-  <p:cSld>
-    <p:spTree>
-      <p:nvGrpSpPr>
-        <p:cNvPr id="1" name=""/>
-        <p:cNvGrpSpPr/>
-        <p:nvPr/>
-      </p:nvGrpSpPr>
-      <p:grpSpPr>
-        <a:xfrm>
-          <a:off x="0" y="0"/>
-          <a:ext cx="0" cy="0"/>
-          <a:chOff x="0" y="0"/>
-          <a:chExt cx="0" cy="0"/>
-        </a:xfrm>
-      </p:grpSpPr>
-      <p:sp>
-        <p:nvSpPr>
-          <p:cNvPr id="2" name="Folienbildplatzhalter 1"/>
-          <p:cNvSpPr>
-            <a:spLocks noGrp="1" noRot="1" noChangeAspect="1"/>
-          </p:cNvSpPr>
-          <p:nvPr>
-            <p:ph type="sldImg"/>
-          </p:nvPr>
-        </p:nvSpPr>
-        <p:spPr/>
-      </p:sp>
-      <p:sp>
-        <p:nvSpPr>
-          <p:cNvPr id="3" name="Notizenplatzhalter 2"/>
-          <p:cNvSpPr>
-            <a:spLocks noGrp="1"/>
-          </p:cNvSpPr>
-          <p:nvPr>
-            <p:ph type="body" idx="1"/>
-          </p:nvPr>
-        </p:nvSpPr>
-        <p:spPr/>
-        <p:txBody>
-          <a:bodyPr/>
-          <a:lstStyle/>
-          <a:p>
-            <a:r>
-              <a:rPr lang="en-US" dirty="0"/>
-              <a:t>Stay as far away as possible from others when coughing or sneezing; better yet, face away from them. Sneeze into the crook of your arm or into a paper handkerchief that you then throw away immediately. Avoid touching other persons when greeting them and wash your hands regularly and thoroughly for at least 20 seconds with soap and water. </a:t>
-            </a:r>
-          </a:p>
-        </p:txBody>
-      </p:sp>
-      <p:sp>
-        <p:nvSpPr>
-          <p:cNvPr id="4" name="Foliennummernplatzhalter 3"/>
-          <p:cNvSpPr>
-            <a:spLocks noGrp="1"/>
-          </p:cNvSpPr>
-          <p:nvPr>
-            <p:ph type="sldNum" sz="quarter" idx="5"/>
-          </p:nvPr>
-        </p:nvSpPr>
-        <p:spPr/>
-        <p:txBody>
-          <a:bodyPr/>
-          <a:lstStyle/>
-          <a:p>
-            <a:fld id="{C14CEB38-DA38-4F43-AFB8-94FE45CA5866}" type="slidenum">
-              <a:rPr lang="en-US" smtClean="0"/>
-              <a:pPr/>
-              <a:t>7</a:t>
+              <a:t>9</a:t>
             </a:fld>
             <a:endParaRPr lang="en-US" dirty="0"/>
           </a:p>
@@ -1938,6 +1852,36 @@
           </a:p>
         </p:txBody>
       </p:sp>
+      <p:pic>
+        <p:nvPicPr>
+          <p:cNvPr id="3" name="Picture 2" descr="A close-up of a logo&#10;&#10;Description automatically generated">
+            <a:extLst>
+              <a:ext uri="{FF2B5EF4-FFF2-40B4-BE49-F238E27FC236}">
+                <a16:creationId xmlns:a16="http://schemas.microsoft.com/office/drawing/2014/main" id="{B6BBF44B-2FC3-E232-AEA4-456652653C92}"/>
+              </a:ext>
+            </a:extLst>
+          </p:cNvPr>
+          <p:cNvPicPr>
+            <a:picLocks noChangeAspect="1"/>
+          </p:cNvPicPr>
+          <p:nvPr userDrawn="1"/>
+        </p:nvPicPr>
+        <p:blipFill>
+          <a:blip r:embed="rId2"/>
+          <a:stretch>
+            <a:fillRect/>
+          </a:stretch>
+        </p:blipFill>
+        <p:spPr>
+          <a:xfrm>
+            <a:off x="9868544" y="6005923"/>
+            <a:ext cx="1992776" cy="710191"/>
+          </a:xfrm>
+          <a:prstGeom prst="rect">
+            <a:avLst/>
+          </a:prstGeom>
+        </p:spPr>
+      </p:pic>
     </p:spTree>
     <p:extLst>
       <p:ext uri="{BB962C8B-B14F-4D97-AF65-F5344CB8AC3E}">
@@ -3492,8 +3436,8 @@
         </p:nvSpPr>
         <p:spPr>
           <a:xfrm>
-            <a:off x="789256" y="2881203"/>
-            <a:ext cx="5908323" cy="738664"/>
+            <a:off x="789256" y="2696537"/>
+            <a:ext cx="5908323" cy="1107996"/>
           </a:xfrm>
           <a:prstGeom prst="rect">
             <a:avLst/>
@@ -3534,7 +3478,7 @@
           <a:p>
             <a:r>
               <a:rPr lang="en-US" sz="2400" b="1" dirty="0"/>
-              <a:t>Current COVID-19 Outlook Analysis</a:t>
+              <a:t>A deep insight into the covid-19 outlook up until today</a:t>
             </a:r>
           </a:p>
         </p:txBody>
@@ -3543,6 +3487,407 @@
     <p:extLst>
       <p:ext uri="{BB962C8B-B14F-4D97-AF65-F5344CB8AC3E}">
         <p14:creationId xmlns:p14="http://schemas.microsoft.com/office/powerpoint/2010/main" val="2885622782"/>
+      </p:ext>
+    </p:extLst>
+  </p:cSld>
+  <p:clrMapOvr>
+    <a:masterClrMapping/>
+  </p:clrMapOvr>
+  <mc:AlternateContent xmlns:mc="http://schemas.openxmlformats.org/markup-compatibility/2006" xmlns:p14="http://schemas.microsoft.com/office/powerpoint/2010/main">
+    <mc:Choice Requires="p14">
+      <p:transition spd="med" p14:dur="700">
+        <p:fade/>
+      </p:transition>
+    </mc:Choice>
+    <mc:Fallback xmlns="">
+      <p:transition spd="med">
+        <p:fade/>
+      </p:transition>
+    </mc:Fallback>
+  </mc:AlternateContent>
+</p:sld>
+</file>
+
+<file path=ppt/slides/slide10.xml><?xml version="1.0" encoding="utf-8"?>
+<p:sld xmlns:a="http://schemas.openxmlformats.org/drawingml/2006/main" xmlns:r="http://schemas.openxmlformats.org/officeDocument/2006/relationships" xmlns:p="http://schemas.openxmlformats.org/presentationml/2006/main">
+  <p:cSld>
+    <p:spTree>
+      <p:nvGrpSpPr>
+        <p:cNvPr id="1" name=""/>
+        <p:cNvGrpSpPr/>
+        <p:nvPr/>
+      </p:nvGrpSpPr>
+      <p:grpSpPr>
+        <a:xfrm>
+          <a:off x="0" y="0"/>
+          <a:ext cx="0" cy="0"/>
+          <a:chOff x="0" y="0"/>
+          <a:chExt cx="0" cy="0"/>
+        </a:xfrm>
+      </p:grpSpPr>
+      <p:sp>
+        <p:nvSpPr>
+          <p:cNvPr id="8" name="Rechteck 7">
+            <a:extLst>
+              <a:ext uri="{FF2B5EF4-FFF2-40B4-BE49-F238E27FC236}">
+                <a16:creationId xmlns:a16="http://schemas.microsoft.com/office/drawing/2014/main" id="{A36F5B40-7C50-4388-B1EA-EC07E06980E6}"/>
+              </a:ext>
+            </a:extLst>
+          </p:cNvPr>
+          <p:cNvSpPr/>
+          <p:nvPr/>
+        </p:nvSpPr>
+        <p:spPr>
+          <a:xfrm>
+            <a:off x="0" y="0"/>
+            <a:ext cx="12198076" cy="6858000"/>
+          </a:xfrm>
+          <a:prstGeom prst="rect">
+            <a:avLst/>
+          </a:prstGeom>
+          <a:gradFill>
+            <a:gsLst>
+              <a:gs pos="22000">
+                <a:srgbClr val="175783"/>
+              </a:gs>
+              <a:gs pos="60000">
+                <a:schemeClr val="tx1"/>
+              </a:gs>
+            </a:gsLst>
+            <a:lin ang="0" scaled="0"/>
+          </a:gradFill>
+          <a:ln w="38100" cap="rnd">
+            <a:noFill/>
+            <a:prstDash val="solid"/>
+            <a:round/>
+          </a:ln>
+        </p:spPr>
+        <p:txBody>
+          <a:bodyPr rtlCol="0" anchor="ctr"/>
+          <a:lstStyle/>
+          <a:p>
+            <a:pPr algn="l"/>
+            <a:endParaRPr lang="en-US" dirty="0"/>
+          </a:p>
+        </p:txBody>
+      </p:sp>
+      <p:pic>
+        <p:nvPicPr>
+          <p:cNvPr id="10" name="Grafik 9" descr="Ein Bild, das Wasser, dunkel, weiß, Nacht enthält.&#10;&#10;Automatisch generierte Beschreibung">
+            <a:extLst>
+              <a:ext uri="{FF2B5EF4-FFF2-40B4-BE49-F238E27FC236}">
+                <a16:creationId xmlns:a16="http://schemas.microsoft.com/office/drawing/2014/main" id="{A915CFE0-9531-4406-B751-B1C143849FE2}"/>
+              </a:ext>
+            </a:extLst>
+          </p:cNvPr>
+          <p:cNvPicPr>
+            <a:picLocks noChangeAspect="1"/>
+          </p:cNvPicPr>
+          <p:nvPr/>
+        </p:nvPicPr>
+        <p:blipFill rotWithShape="1">
+          <a:blip r:embed="rId2" cstate="print">
+            <a:extLst>
+              <a:ext uri="{28A0092B-C50C-407E-A947-70E740481C1C}">
+                <a14:useLocalDpi xmlns:a14="http://schemas.microsoft.com/office/drawing/2010/main"/>
+              </a:ext>
+            </a:extLst>
+          </a:blip>
+          <a:srcRect/>
+          <a:stretch/>
+        </p:blipFill>
+        <p:spPr>
+          <a:xfrm>
+            <a:off x="5669280" y="786384"/>
+            <a:ext cx="5888736" cy="5431536"/>
+          </a:xfrm>
+          <a:prstGeom prst="ellipse">
+            <a:avLst/>
+          </a:prstGeom>
+          <a:effectLst>
+            <a:softEdge rad="63500"/>
+          </a:effectLst>
+        </p:spPr>
+      </p:pic>
+      <p:sp>
+        <p:nvSpPr>
+          <p:cNvPr id="5" name="Rechteck 4">
+            <a:extLst>
+              <a:ext uri="{FF2B5EF4-FFF2-40B4-BE49-F238E27FC236}">
+                <a16:creationId xmlns:a16="http://schemas.microsoft.com/office/drawing/2014/main" id="{5CD1642E-3E82-449B-BE57-B1F921E8FE12}"/>
+              </a:ext>
+            </a:extLst>
+          </p:cNvPr>
+          <p:cNvSpPr/>
+          <p:nvPr/>
+        </p:nvSpPr>
+        <p:spPr>
+          <a:xfrm>
+            <a:off x="789256" y="2642789"/>
+            <a:ext cx="2146623" cy="923330"/>
+          </a:xfrm>
+          <a:prstGeom prst="rect">
+            <a:avLst/>
+          </a:prstGeom>
+          <a:solidFill>
+            <a:schemeClr val="tx1">
+              <a:alpha val="52000"/>
+            </a:schemeClr>
+          </a:solidFill>
+          <a:ln>
+            <a:noFill/>
+          </a:ln>
+        </p:spPr>
+        <p:style>
+          <a:lnRef idx="2">
+            <a:schemeClr val="accent1">
+              <a:shade val="50000"/>
+            </a:schemeClr>
+          </a:lnRef>
+          <a:fillRef idx="1">
+            <a:schemeClr val="accent1"/>
+          </a:fillRef>
+          <a:effectRef idx="0">
+            <a:schemeClr val="accent1"/>
+          </a:effectRef>
+          <a:fontRef idx="minor">
+            <a:schemeClr val="lt1"/>
+          </a:fontRef>
+        </p:style>
+        <p:txBody>
+          <a:bodyPr wrap="none" lIns="216000" tIns="0" rIns="216000" bIns="0" rtlCol="0" anchor="ctr" anchorCtr="0">
+            <a:spAutoFit/>
+          </a:bodyPr>
+          <a:lstStyle/>
+          <a:p>
+            <a:r>
+              <a:rPr lang="en-US" sz="6000" b="1" dirty="0"/>
+              <a:t> Q&amp;A</a:t>
+            </a:r>
+          </a:p>
+        </p:txBody>
+      </p:sp>
+      <p:sp>
+        <p:nvSpPr>
+          <p:cNvPr id="7" name="Rechteck 6">
+            <a:extLst>
+              <a:ext uri="{FF2B5EF4-FFF2-40B4-BE49-F238E27FC236}">
+                <a16:creationId xmlns:a16="http://schemas.microsoft.com/office/drawing/2014/main" id="{A7F1F95C-D6C1-4089-A907-8E92A7A49D1E}"/>
+              </a:ext>
+            </a:extLst>
+          </p:cNvPr>
+          <p:cNvSpPr/>
+          <p:nvPr/>
+        </p:nvSpPr>
+        <p:spPr>
+          <a:xfrm>
+            <a:off x="789256" y="5407445"/>
+            <a:ext cx="3352082" cy="775597"/>
+          </a:xfrm>
+          <a:prstGeom prst="rect">
+            <a:avLst/>
+          </a:prstGeom>
+          <a:noFill/>
+          <a:ln>
+            <a:noFill/>
+          </a:ln>
+        </p:spPr>
+        <p:style>
+          <a:lnRef idx="2">
+            <a:schemeClr val="accent1">
+              <a:shade val="50000"/>
+            </a:schemeClr>
+          </a:lnRef>
+          <a:fillRef idx="1">
+            <a:schemeClr val="accent1"/>
+          </a:fillRef>
+          <a:effectRef idx="0">
+            <a:schemeClr val="accent1"/>
+          </a:effectRef>
+          <a:fontRef idx="minor">
+            <a:schemeClr val="lt1"/>
+          </a:fontRef>
+        </p:style>
+        <p:txBody>
+          <a:bodyPr wrap="none" lIns="216000" tIns="0" rIns="216000" bIns="0" rtlCol="0" anchor="ctr" anchorCtr="0">
+            <a:spAutoFit/>
+          </a:bodyPr>
+          <a:lstStyle/>
+          <a:p>
+            <a:pPr>
+              <a:lnSpc>
+                <a:spcPct val="90000"/>
+              </a:lnSpc>
+            </a:pPr>
+            <a:r>
+              <a:rPr lang="en-US" sz="2800" dirty="0">
+                <a:latin typeface="Calibri Light" panose="020F0302020204030204" pitchFamily="34" charset="0"/>
+                <a:cs typeface="Calibri Light" panose="020F0302020204030204" pitchFamily="34" charset="0"/>
+              </a:rPr>
+              <a:t>Alexandros Rammos</a:t>
+            </a:r>
+            <a:br>
+              <a:rPr lang="en-US" sz="2800" dirty="0">
+                <a:latin typeface="Calibri Light" panose="020F0302020204030204" pitchFamily="34" charset="0"/>
+                <a:cs typeface="Calibri Light" panose="020F0302020204030204" pitchFamily="34" charset="0"/>
+              </a:rPr>
+            </a:br>
+            <a:r>
+              <a:rPr lang="en-US" sz="2800" dirty="0">
+                <a:latin typeface="Calibri Light" panose="020F0302020204030204" pitchFamily="34" charset="0"/>
+                <a:cs typeface="Calibri Light" panose="020F0302020204030204" pitchFamily="34" charset="0"/>
+              </a:rPr>
+              <a:t>Eleftherios Morits</a:t>
+            </a:r>
+          </a:p>
+        </p:txBody>
+      </p:sp>
+    </p:spTree>
+    <p:extLst>
+      <p:ext uri="{BB962C8B-B14F-4D97-AF65-F5344CB8AC3E}">
+        <p14:creationId xmlns:p14="http://schemas.microsoft.com/office/powerpoint/2010/main" val="262872870"/>
+      </p:ext>
+    </p:extLst>
+  </p:cSld>
+  <p:clrMapOvr>
+    <a:masterClrMapping/>
+  </p:clrMapOvr>
+  <mc:AlternateContent xmlns:mc="http://schemas.openxmlformats.org/markup-compatibility/2006" xmlns:p14="http://schemas.microsoft.com/office/powerpoint/2010/main">
+    <mc:Choice Requires="p14">
+      <p:transition spd="med" p14:dur="700">
+        <p:fade/>
+      </p:transition>
+    </mc:Choice>
+    <mc:Fallback xmlns="">
+      <p:transition spd="med">
+        <p:fade/>
+      </p:transition>
+    </mc:Fallback>
+  </mc:AlternateContent>
+</p:sld>
+</file>
+
+<file path=ppt/slides/slide11.xml><?xml version="1.0" encoding="utf-8"?>
+<p:sld xmlns:a="http://schemas.openxmlformats.org/drawingml/2006/main" xmlns:r="http://schemas.openxmlformats.org/officeDocument/2006/relationships" xmlns:p="http://schemas.openxmlformats.org/presentationml/2006/main">
+  <p:cSld>
+    <p:spTree>
+      <p:nvGrpSpPr>
+        <p:cNvPr id="1" name=""/>
+        <p:cNvGrpSpPr/>
+        <p:nvPr/>
+      </p:nvGrpSpPr>
+      <p:grpSpPr>
+        <a:xfrm>
+          <a:off x="0" y="0"/>
+          <a:ext cx="0" cy="0"/>
+          <a:chOff x="0" y="0"/>
+          <a:chExt cx="0" cy="0"/>
+        </a:xfrm>
+      </p:grpSpPr>
+      <p:pic>
+        <p:nvPicPr>
+          <p:cNvPr id="11" name="Grafik 10" descr="Ein Bild, das Wasser, blau, weiß, Luft enthält.&#10;&#10;Automatisch generierte Beschreibung">
+            <a:extLst>
+              <a:ext uri="{FF2B5EF4-FFF2-40B4-BE49-F238E27FC236}">
+                <a16:creationId xmlns:a16="http://schemas.microsoft.com/office/drawing/2014/main" id="{1EC40168-79FC-4085-BDFA-BA34566385CE}"/>
+              </a:ext>
+            </a:extLst>
+          </p:cNvPr>
+          <p:cNvPicPr>
+            <a:picLocks noChangeAspect="1"/>
+          </p:cNvPicPr>
+          <p:nvPr/>
+        </p:nvPicPr>
+        <p:blipFill rotWithShape="1">
+          <a:blip r:embed="rId2" cstate="print">
+            <a:extLst>
+              <a:ext uri="{28A0092B-C50C-407E-A947-70E740481C1C}">
+                <a14:useLocalDpi xmlns:a14="http://schemas.microsoft.com/office/drawing/2010/main"/>
+              </a:ext>
+            </a:extLst>
+          </a:blip>
+          <a:srcRect/>
+          <a:stretch/>
+        </p:blipFill>
+        <p:spPr>
+          <a:xfrm>
+            <a:off x="-18113" y="0"/>
+            <a:ext cx="12208525" cy="6858000"/>
+          </a:xfrm>
+          <a:prstGeom prst="rect">
+            <a:avLst/>
+          </a:prstGeom>
+        </p:spPr>
+      </p:pic>
+      <p:sp>
+        <p:nvSpPr>
+          <p:cNvPr id="5" name="Rechteck 4">
+            <a:extLst>
+              <a:ext uri="{FF2B5EF4-FFF2-40B4-BE49-F238E27FC236}">
+                <a16:creationId xmlns:a16="http://schemas.microsoft.com/office/drawing/2014/main" id="{5CD1642E-3E82-449B-BE57-B1F921E8FE12}"/>
+              </a:ext>
+            </a:extLst>
+          </p:cNvPr>
+          <p:cNvSpPr/>
+          <p:nvPr/>
+        </p:nvSpPr>
+        <p:spPr>
+          <a:xfrm rot="20878226">
+            <a:off x="4441147" y="3023023"/>
+            <a:ext cx="3732506" cy="1846659"/>
+          </a:xfrm>
+          <a:prstGeom prst="rect">
+            <a:avLst/>
+          </a:prstGeom>
+          <a:noFill/>
+          <a:ln>
+            <a:noFill/>
+          </a:ln>
+        </p:spPr>
+        <p:style>
+          <a:lnRef idx="2">
+            <a:schemeClr val="accent1">
+              <a:shade val="50000"/>
+            </a:schemeClr>
+          </a:lnRef>
+          <a:fillRef idx="1">
+            <a:schemeClr val="accent1"/>
+          </a:fillRef>
+          <a:effectRef idx="0">
+            <a:schemeClr val="accent1"/>
+          </a:effectRef>
+          <a:fontRef idx="minor">
+            <a:schemeClr val="lt1"/>
+          </a:fontRef>
+        </p:style>
+        <p:txBody>
+          <a:bodyPr wrap="none" lIns="216000" tIns="0" rIns="216000" bIns="0" rtlCol="0" anchor="ctr" anchorCtr="0">
+            <a:spAutoFit/>
+          </a:bodyPr>
+          <a:lstStyle/>
+          <a:p>
+            <a:r>
+              <a:rPr lang="en-US" sz="6000" b="1" dirty="0">
+                <a:solidFill>
+                  <a:srgbClr val="083C51"/>
+                </a:solidFill>
+              </a:rPr>
+              <a:t>Thank You</a:t>
+            </a:r>
+          </a:p>
+          <a:p>
+            <a:endParaRPr lang="en-US" sz="6000" b="1" dirty="0">
+              <a:solidFill>
+                <a:srgbClr val="083C51"/>
+              </a:solidFill>
+            </a:endParaRPr>
+          </a:p>
+        </p:txBody>
+      </p:sp>
+    </p:spTree>
+    <p:extLst>
+      <p:ext uri="{BB962C8B-B14F-4D97-AF65-F5344CB8AC3E}">
+        <p14:creationId xmlns:p14="http://schemas.microsoft.com/office/powerpoint/2010/main" val="1912050365"/>
       </p:ext>
     </p:extLst>
   </p:cSld>
@@ -3708,49 +4053,49 @@
           </a:p>
           <a:p>
             <a:pPr algn="l"/>
-            <a:endParaRPr lang="en-US" dirty="0"/>
-          </a:p>
-          <a:p>
-            <a:pPr algn="l"/>
-            <a:endParaRPr lang="en-US" dirty="0"/>
-          </a:p>
-          <a:p>
-            <a:pPr algn="l"/>
-            <a:endParaRPr lang="en-US" dirty="0"/>
-          </a:p>
-          <a:p>
-            <a:pPr algn="l"/>
-            <a:endParaRPr lang="en-US" dirty="0"/>
-          </a:p>
-          <a:p>
-            <a:pPr algn="l"/>
-            <a:endParaRPr lang="en-US" dirty="0"/>
-          </a:p>
-          <a:p>
-            <a:pPr algn="l"/>
-            <a:endParaRPr lang="en-US" dirty="0"/>
-          </a:p>
-          <a:p>
-            <a:pPr algn="l"/>
-            <a:endParaRPr lang="en-US" dirty="0"/>
-          </a:p>
-          <a:p>
-            <a:pPr algn="l"/>
-            <a:endParaRPr lang="en-US" dirty="0"/>
-          </a:p>
-          <a:p>
-            <a:pPr algn="l"/>
-            <a:r>
-              <a:rPr lang="en-US" dirty="0"/>
-              <a:t>	</a:t>
-            </a:r>
             <a:r>
               <a:rPr lang="en-US" dirty="0">
                 <a:solidFill>
                   <a:schemeClr val="bg1"/>
                 </a:solidFill>
               </a:rPr>
-              <a:t>Alexandros Rammos</a:t>
+              <a:t>		        Alexandros Rammos</a:t>
+            </a:r>
+            <a:endParaRPr lang="en-US" dirty="0"/>
+          </a:p>
+          <a:p>
+            <a:pPr algn="l"/>
+            <a:endParaRPr lang="en-US" dirty="0"/>
+          </a:p>
+          <a:p>
+            <a:pPr algn="l"/>
+            <a:endParaRPr lang="en-US" dirty="0"/>
+          </a:p>
+          <a:p>
+            <a:pPr algn="l"/>
+            <a:endParaRPr lang="en-US" dirty="0"/>
+          </a:p>
+          <a:p>
+            <a:pPr algn="l"/>
+            <a:endParaRPr lang="en-US" dirty="0"/>
+          </a:p>
+          <a:p>
+            <a:pPr algn="l"/>
+            <a:endParaRPr lang="en-US" dirty="0"/>
+          </a:p>
+          <a:p>
+            <a:pPr algn="l"/>
+            <a:endParaRPr lang="en-US" dirty="0"/>
+          </a:p>
+          <a:p>
+            <a:pPr algn="l"/>
+            <a:endParaRPr lang="en-US" dirty="0"/>
+          </a:p>
+          <a:p>
+            <a:pPr algn="l"/>
+            <a:r>
+              <a:rPr lang="en-US" dirty="0"/>
+              <a:t>	</a:t>
             </a:r>
             <a:br>
               <a:rPr lang="en-US" dirty="0">
@@ -3765,7 +4110,7 @@
                   <a:schemeClr val="bg1"/>
                 </a:solidFill>
               </a:rPr>
-              <a:t>	Eleftherios Morits</a:t>
+              <a:t>	</a:t>
             </a:r>
           </a:p>
         </p:txBody>
@@ -3801,7 +4146,7 @@
                 <a:effectLst/>
                 <a:latin typeface="Söhne"/>
               </a:rPr>
-              <a:t>Introduction</a:t>
+              <a:t>Who we are </a:t>
             </a:r>
             <a:r>
               <a:rPr lang="en-US" b="1" dirty="0">
@@ -3809,7 +4154,7 @@
                   <a:schemeClr val="bg1"/>
                 </a:solidFill>
               </a:rPr>
-              <a:t> </a:t>
+              <a:t> …</a:t>
             </a:r>
             <a:br>
               <a:rPr lang="en-US" b="1" dirty="0">
@@ -3826,50 +4171,146 @@
           </a:p>
         </p:txBody>
       </p:sp>
-      <p:sp>
-        <p:nvSpPr>
-          <p:cNvPr id="6" name="Inhaltsplatzhalter 5">
+      <p:pic>
+        <p:nvPicPr>
+          <p:cNvPr id="4" name="Picture 3" descr="A close-up of a logo">
             <a:extLst>
               <a:ext uri="{FF2B5EF4-FFF2-40B4-BE49-F238E27FC236}">
-                <a16:creationId xmlns:a16="http://schemas.microsoft.com/office/drawing/2014/main" id="{6D3F1170-416E-4E9D-9D0B-E9E2DED19EEE}"/>
+                <a16:creationId xmlns:a16="http://schemas.microsoft.com/office/drawing/2014/main" id="{576CDB45-F6CF-DAA5-BDFF-2C4B37A8CE73}"/>
               </a:ext>
             </a:extLst>
           </p:cNvPr>
-          <p:cNvSpPr>
-            <a:spLocks noGrp="1"/>
-          </p:cNvSpPr>
-          <p:nvPr>
-            <p:ph idx="1"/>
-          </p:nvPr>
+          <p:cNvPicPr>
+            <a:picLocks noChangeAspect="1"/>
+          </p:cNvPicPr>
+          <p:nvPr/>
+        </p:nvPicPr>
+        <p:blipFill>
+          <a:blip r:embed="rId3"/>
+          <a:stretch>
+            <a:fillRect/>
+          </a:stretch>
+        </p:blipFill>
+        <p:spPr>
+          <a:xfrm>
+            <a:off x="10956227" y="6274467"/>
+            <a:ext cx="969202" cy="345407"/>
+          </a:xfrm>
+          <a:prstGeom prst="rect">
+            <a:avLst/>
+          </a:prstGeom>
+        </p:spPr>
+      </p:pic>
+      <p:pic>
+        <p:nvPicPr>
+          <p:cNvPr id="5" name="Picture 4">
+            <a:extLst>
+              <a:ext uri="{FF2B5EF4-FFF2-40B4-BE49-F238E27FC236}">
+                <a16:creationId xmlns:a16="http://schemas.microsoft.com/office/drawing/2014/main" id="{6D540DE3-9018-A069-2D23-4F93EB4EEF62}"/>
+              </a:ext>
+            </a:extLst>
+          </p:cNvPr>
+          <p:cNvPicPr>
+            <a:picLocks noChangeAspect="1"/>
+          </p:cNvPicPr>
+          <p:nvPr/>
+        </p:nvPicPr>
+        <p:blipFill>
+          <a:blip r:embed="rId4"/>
+          <a:stretch>
+            <a:fillRect/>
+          </a:stretch>
+        </p:blipFill>
+        <p:spPr>
+          <a:xfrm>
+            <a:off x="2653975" y="1787245"/>
+            <a:ext cx="1503957" cy="1745852"/>
+          </a:xfrm>
+          <a:prstGeom prst="rect">
+            <a:avLst/>
+          </a:prstGeom>
+        </p:spPr>
+      </p:pic>
+      <p:pic>
+        <p:nvPicPr>
+          <p:cNvPr id="10" name="Picture 9">
+            <a:extLst>
+              <a:ext uri="{FF2B5EF4-FFF2-40B4-BE49-F238E27FC236}">
+                <a16:creationId xmlns:a16="http://schemas.microsoft.com/office/drawing/2014/main" id="{B1CC653D-28DD-86C3-2F70-27FDE6954E2C}"/>
+              </a:ext>
+            </a:extLst>
+          </p:cNvPr>
+          <p:cNvPicPr>
+            <a:picLocks noChangeAspect="1"/>
+          </p:cNvPicPr>
+          <p:nvPr/>
+        </p:nvPicPr>
+        <p:blipFill>
+          <a:blip r:embed="rId5"/>
+          <a:stretch>
+            <a:fillRect/>
+          </a:stretch>
+        </p:blipFill>
+        <p:spPr>
+          <a:xfrm>
+            <a:off x="7280503" y="1787245"/>
+            <a:ext cx="1503957" cy="1745852"/>
+          </a:xfrm>
+          <a:prstGeom prst="rect">
+            <a:avLst/>
+          </a:prstGeom>
+        </p:spPr>
+      </p:pic>
+      <p:sp>
+        <p:nvSpPr>
+          <p:cNvPr id="13" name="TextBox 12">
+            <a:extLst>
+              <a:ext uri="{FF2B5EF4-FFF2-40B4-BE49-F238E27FC236}">
+                <a16:creationId xmlns:a16="http://schemas.microsoft.com/office/drawing/2014/main" id="{D5277082-7208-A220-3C8C-1E5FD13B281E}"/>
+              </a:ext>
+            </a:extLst>
+          </p:cNvPr>
+          <p:cNvSpPr txBox="1"/>
+          <p:nvPr/>
         </p:nvSpPr>
         <p:spPr>
           <a:xfrm>
-            <a:off x="516251" y="1685924"/>
-            <a:ext cx="5808875" cy="4118027"/>
-          </a:xfrm>
+            <a:off x="7013275" y="3683934"/>
+            <a:ext cx="2182483" cy="677108"/>
+          </a:xfrm>
+          <a:prstGeom prst="rect">
+            <a:avLst/>
+          </a:prstGeom>
+          <a:noFill/>
         </p:spPr>
         <p:txBody>
-          <a:bodyPr/>
+          <a:bodyPr wrap="square" rtlCol="0">
+            <a:spAutoFit/>
+          </a:bodyPr>
           <a:lstStyle/>
           <a:p>
-            <a:pPr marL="0" indent="0">
-              <a:buNone/>
-            </a:pPr>
             <a:r>
-              <a:rPr lang="en-US" sz="2400" dirty="0">
+              <a:rPr lang="en-US" dirty="0">
                 <a:solidFill>
                   <a:schemeClr val="bg1"/>
                 </a:solidFill>
               </a:rPr>
-              <a:t>In the face of the ongoing global pandemic, our team at Data Doctors has been dedicated to unraveling key patterns and trends within COVID-19 data. Today, we'll take you through our comprehensive analysis, covering two distinct data sets, employing advanced Exploratory Data Analysis (EDA) techniques in Python, and presenting our findings through a powerful Business Intelligence (BI) dashboard.</a:t>
+              <a:t> Eleftherios Morits</a:t>
             </a:r>
+          </a:p>
+          <a:p>
+            <a:endParaRPr lang="en-US" dirty="0">
+              <a:solidFill>
+                <a:schemeClr val="bg1"/>
+              </a:solidFill>
+            </a:endParaRPr>
           </a:p>
         </p:txBody>
       </p:sp>
     </p:spTree>
     <p:extLst>
       <p:ext uri="{BB962C8B-B14F-4D97-AF65-F5344CB8AC3E}">
-        <p14:creationId xmlns:p14="http://schemas.microsoft.com/office/powerpoint/2010/main" val="2587170794"/>
+        <p14:creationId xmlns:p14="http://schemas.microsoft.com/office/powerpoint/2010/main" val="832523325"/>
       </p:ext>
     </p:extLst>
   </p:cSld>
@@ -3910,10 +4351,10 @@
       </p:grpSpPr>
       <p:pic>
         <p:nvPicPr>
-          <p:cNvPr id="15" name="Grafik 14" descr="Ein Bild, das Essen enthält.&#10;&#10;Automatisch generierte Beschreibung">
+          <p:cNvPr id="11" name="Grafik 10">
             <a:extLst>
               <a:ext uri="{FF2B5EF4-FFF2-40B4-BE49-F238E27FC236}">
-                <a16:creationId xmlns:a16="http://schemas.microsoft.com/office/drawing/2014/main" id="{DFEDB4CD-6668-4A2C-8986-2DCC6F45FFE4}"/>
+                <a16:creationId xmlns:a16="http://schemas.microsoft.com/office/drawing/2014/main" id="{C7823C63-30CC-4F2F-8A55-681BE2548261}"/>
               </a:ext>
             </a:extLst>
           </p:cNvPr>
@@ -3923,14 +4364,20 @@
           <p:nvPr/>
         </p:nvPicPr>
         <p:blipFill rotWithShape="1">
-          <a:blip r:embed="rId2"/>
+          <a:blip r:embed="rId2" cstate="print">
+            <a:extLst>
+              <a:ext uri="{28A0092B-C50C-407E-A947-70E740481C1C}">
+                <a14:useLocalDpi xmlns:a14="http://schemas.microsoft.com/office/drawing/2010/main"/>
+              </a:ext>
+            </a:extLst>
+          </a:blip>
           <a:srcRect/>
           <a:stretch/>
         </p:blipFill>
         <p:spPr>
-          <a:xfrm flipH="1">
-            <a:off x="2494272" y="0"/>
-            <a:ext cx="9696141" cy="6858000"/>
+          <a:xfrm>
+            <a:off x="0" y="893"/>
+            <a:ext cx="12190413" cy="6857107"/>
           </a:xfrm>
           <a:prstGeom prst="rect">
             <a:avLst/>
@@ -3939,10 +4386,10 @@
       </p:pic>
       <p:sp>
         <p:nvSpPr>
-          <p:cNvPr id="7" name="Rechteck 6">
+          <p:cNvPr id="12" name="Rechteck 11">
             <a:extLst>
               <a:ext uri="{FF2B5EF4-FFF2-40B4-BE49-F238E27FC236}">
-                <a16:creationId xmlns:a16="http://schemas.microsoft.com/office/drawing/2014/main" id="{7C7E936D-22C4-473A-A10C-C63EFCC04070}"/>
+                <a16:creationId xmlns:a16="http://schemas.microsoft.com/office/drawing/2014/main" id="{0E3557A0-5FD8-4F03-A58D-EC09381D3711}"/>
               </a:ext>
             </a:extLst>
           </p:cNvPr>
@@ -3951,18 +4398,18 @@
         </p:nvSpPr>
         <p:spPr>
           <a:xfrm>
-            <a:off x="-3" y="1"/>
-            <a:ext cx="11925303" cy="6857999"/>
+            <a:off x="1" y="0"/>
+            <a:ext cx="12190412" cy="6858000"/>
           </a:xfrm>
           <a:prstGeom prst="rect">
             <a:avLst/>
           </a:prstGeom>
           <a:gradFill>
             <a:gsLst>
-              <a:gs pos="33000">
+              <a:gs pos="0">
                 <a:srgbClr val="083C51"/>
               </a:gs>
-              <a:gs pos="84000">
+              <a:gs pos="100000">
                 <a:srgbClr val="083C51">
                   <a:alpha val="0"/>
                 </a:srgbClr>
@@ -3977,14 +4424,86 @@
           </a:ln>
         </p:spPr>
         <p:txBody>
-          <a:bodyPr rot="0" spcFirstLastPara="0" vertOverflow="overflow" horzOverflow="overflow" vert="horz" wrap="square" lIns="91440" tIns="45720" rIns="91440" bIns="45720" numCol="1" spcCol="0" rtlCol="0" fromWordArt="0" anchor="ctr" anchorCtr="0" forceAA="0" compatLnSpc="1">
-            <a:prstTxWarp prst="textNoShape">
-              <a:avLst/>
-            </a:prstTxWarp>
-            <a:noAutofit/>
-          </a:bodyPr>
+          <a:bodyPr rtlCol="0" anchor="ctr"/>
           <a:lstStyle/>
           <a:p>
+            <a:pPr algn="l"/>
+            <a:endParaRPr lang="en-US" dirty="0"/>
+          </a:p>
+          <a:p>
+            <a:pPr algn="l"/>
+            <a:endParaRPr lang="en-US" dirty="0"/>
+          </a:p>
+          <a:p>
+            <a:pPr algn="l"/>
+            <a:endParaRPr lang="en-US" dirty="0"/>
+          </a:p>
+          <a:p>
+            <a:pPr algn="l"/>
+            <a:endParaRPr lang="en-US" dirty="0"/>
+          </a:p>
+          <a:p>
+            <a:pPr algn="l"/>
+            <a:endParaRPr lang="en-US" dirty="0"/>
+          </a:p>
+          <a:p>
+            <a:pPr algn="l"/>
+            <a:endParaRPr lang="en-US" dirty="0"/>
+          </a:p>
+          <a:p>
+            <a:pPr algn="l"/>
+            <a:endParaRPr lang="en-US" dirty="0"/>
+          </a:p>
+          <a:p>
+            <a:pPr algn="l"/>
+            <a:endParaRPr lang="en-US" dirty="0"/>
+          </a:p>
+          <a:p>
+            <a:pPr algn="l"/>
+            <a:endParaRPr lang="en-US" dirty="0"/>
+          </a:p>
+          <a:p>
+            <a:pPr algn="l"/>
+            <a:endParaRPr lang="en-US" dirty="0"/>
+          </a:p>
+          <a:p>
+            <a:pPr algn="l"/>
+            <a:endParaRPr lang="en-US" dirty="0"/>
+          </a:p>
+          <a:p>
+            <a:pPr algn="l"/>
+            <a:endParaRPr lang="en-US" dirty="0"/>
+          </a:p>
+          <a:p>
+            <a:pPr algn="l"/>
+            <a:endParaRPr lang="en-US" dirty="0"/>
+          </a:p>
+          <a:p>
+            <a:pPr algn="l"/>
+            <a:endParaRPr lang="en-US" dirty="0"/>
+          </a:p>
+          <a:p>
+            <a:pPr algn="l"/>
+            <a:endParaRPr lang="en-US" dirty="0"/>
+          </a:p>
+          <a:p>
+            <a:pPr algn="l"/>
+            <a:endParaRPr lang="en-US" dirty="0"/>
+          </a:p>
+          <a:p>
+            <a:pPr algn="l"/>
+            <a:endParaRPr lang="en-US" dirty="0"/>
+          </a:p>
+          <a:p>
+            <a:pPr algn="l"/>
+            <a:endParaRPr lang="en-US" dirty="0"/>
+          </a:p>
+          <a:p>
+            <a:pPr algn="l"/>
+            <a:endParaRPr lang="en-US" dirty="0"/>
+          </a:p>
+          <a:p>
+            <a:pPr algn="l"/>
             <a:endParaRPr lang="en-US" dirty="0"/>
           </a:p>
         </p:txBody>
@@ -3994,7 +4513,7 @@
           <p:cNvPr id="2" name="Titel 1">
             <a:extLst>
               <a:ext uri="{FF2B5EF4-FFF2-40B4-BE49-F238E27FC236}">
-                <a16:creationId xmlns:a16="http://schemas.microsoft.com/office/drawing/2014/main" id="{A2223680-E0FA-498B-B4F4-C959A048D800}"/>
+                <a16:creationId xmlns:a16="http://schemas.microsoft.com/office/drawing/2014/main" id="{103D40E1-A2EE-44C4-B385-40CA6B6CA23F}"/>
               </a:ext>
             </a:extLst>
           </p:cNvPr>
@@ -4007,27 +4526,50 @@
         </p:nvSpPr>
         <p:spPr/>
         <p:txBody>
-          <a:bodyPr/>
+          <a:bodyPr>
+            <a:normAutofit/>
+          </a:bodyPr>
           <a:lstStyle/>
           <a:p>
             <a:r>
-              <a:rPr lang="en-US" dirty="0">
+              <a:rPr lang="en-US" b="1" i="0" dirty="0">
+                <a:solidFill>
+                  <a:schemeClr val="bg2"/>
+                </a:solidFill>
+                <a:effectLst/>
+                <a:latin typeface="Söhne"/>
+              </a:rPr>
+              <a:t>Introduction</a:t>
+            </a:r>
+            <a:r>
+              <a:rPr lang="en-US" b="1" dirty="0">
                 <a:solidFill>
                   <a:schemeClr val="bg1"/>
                 </a:solidFill>
               </a:rPr>
-              <a:t>Exploratory Data Analysis (EDA) in Python</a:t>
+              <a:t> </a:t>
             </a:r>
-            <a:endParaRPr lang="en-US" dirty="0"/>
+            <a:br>
+              <a:rPr lang="en-US" b="1" dirty="0">
+                <a:solidFill>
+                  <a:schemeClr val="bg1"/>
+                </a:solidFill>
+              </a:rPr>
+            </a:br>
+            <a:endParaRPr lang="en-US" dirty="0">
+              <a:solidFill>
+                <a:schemeClr val="bg1"/>
+              </a:solidFill>
+            </a:endParaRPr>
           </a:p>
         </p:txBody>
       </p:sp>
       <p:sp>
         <p:nvSpPr>
-          <p:cNvPr id="12" name="Inhaltsplatzhalter 11">
+          <p:cNvPr id="6" name="Inhaltsplatzhalter 5">
             <a:extLst>
               <a:ext uri="{FF2B5EF4-FFF2-40B4-BE49-F238E27FC236}">
-                <a16:creationId xmlns:a16="http://schemas.microsoft.com/office/drawing/2014/main" id="{6D15E7F7-C3FD-4467-A8AB-0BC0491F97BE}"/>
+                <a16:creationId xmlns:a16="http://schemas.microsoft.com/office/drawing/2014/main" id="{6D3F1170-416E-4E9D-9D0B-E9E2DED19EEE}"/>
               </a:ext>
             </a:extLst>
           </p:cNvPr>
@@ -4035,10 +4577,15 @@
             <a:spLocks noGrp="1"/>
           </p:cNvSpPr>
           <p:nvPr>
-            <p:ph idx="15"/>
+            <p:ph idx="1"/>
           </p:nvPr>
         </p:nvSpPr>
-        <p:spPr/>
+        <p:spPr>
+          <a:xfrm>
+            <a:off x="516251" y="1685924"/>
+            <a:ext cx="5808875" cy="4118027"/>
+          </a:xfrm>
+        </p:spPr>
         <p:txBody>
           <a:bodyPr/>
           <a:lstStyle/>
@@ -4046,18 +4593,51 @@
             <a:pPr marL="0" indent="0">
               <a:buNone/>
             </a:pPr>
-            <a:endParaRPr lang="en-US" sz="1800" noProof="1">
-              <a:solidFill>
-                <a:schemeClr val="bg1"/>
-              </a:solidFill>
-            </a:endParaRPr>
+            <a:r>
+              <a:rPr lang="en-US" sz="2400" dirty="0">
+                <a:solidFill>
+                  <a:schemeClr val="bg1"/>
+                </a:solidFill>
+              </a:rPr>
+              <a:t>In the face of the ongoing global pandemic, our team at Data Doctors has been dedicated to unraveling key patterns and trends within COVID-19 data. Today, we'll take you through our comprehensive analysis, covering two distinct data sets, employing advanced Exploratory Data Analysis (EDA) techniques in Python, and presenting our findings through a powerful Business Intelligence (BI) dashboard.</a:t>
+            </a:r>
           </a:p>
         </p:txBody>
       </p:sp>
+      <p:pic>
+        <p:nvPicPr>
+          <p:cNvPr id="4" name="Picture 3" descr="A close-up of a logo">
+            <a:extLst>
+              <a:ext uri="{FF2B5EF4-FFF2-40B4-BE49-F238E27FC236}">
+                <a16:creationId xmlns:a16="http://schemas.microsoft.com/office/drawing/2014/main" id="{576CDB45-F6CF-DAA5-BDFF-2C4B37A8CE73}"/>
+              </a:ext>
+            </a:extLst>
+          </p:cNvPr>
+          <p:cNvPicPr>
+            <a:picLocks noChangeAspect="1"/>
+          </p:cNvPicPr>
+          <p:nvPr/>
+        </p:nvPicPr>
+        <p:blipFill>
+          <a:blip r:embed="rId3"/>
+          <a:stretch>
+            <a:fillRect/>
+          </a:stretch>
+        </p:blipFill>
+        <p:spPr>
+          <a:xfrm>
+            <a:off x="10956227" y="6274467"/>
+            <a:ext cx="969202" cy="345407"/>
+          </a:xfrm>
+          <a:prstGeom prst="rect">
+            <a:avLst/>
+          </a:prstGeom>
+        </p:spPr>
+      </p:pic>
     </p:spTree>
     <p:extLst>
       <p:ext uri="{BB962C8B-B14F-4D97-AF65-F5344CB8AC3E}">
-        <p14:creationId xmlns:p14="http://schemas.microsoft.com/office/powerpoint/2010/main" val="2488723471"/>
+        <p14:creationId xmlns:p14="http://schemas.microsoft.com/office/powerpoint/2010/main" val="2587170794"/>
       </p:ext>
     </p:extLst>
   </p:cSld>
@@ -4096,12 +4676,126 @@
           <a:chExt cx="0" cy="0"/>
         </a:xfrm>
       </p:grpSpPr>
+      <p:pic>
+        <p:nvPicPr>
+          <p:cNvPr id="15" name="Grafik 14" descr="Ein Bild, das Essen enthält.&#10;&#10;Automatisch generierte Beschreibung">
+            <a:extLst>
+              <a:ext uri="{FF2B5EF4-FFF2-40B4-BE49-F238E27FC236}">
+                <a16:creationId xmlns:a16="http://schemas.microsoft.com/office/drawing/2014/main" id="{DFEDB4CD-6668-4A2C-8986-2DCC6F45FFE4}"/>
+              </a:ext>
+            </a:extLst>
+          </p:cNvPr>
+          <p:cNvPicPr>
+            <a:picLocks noChangeAspect="1"/>
+          </p:cNvPicPr>
+          <p:nvPr/>
+        </p:nvPicPr>
+        <p:blipFill rotWithShape="1">
+          <a:blip r:embed="rId2"/>
+          <a:srcRect/>
+          <a:stretch/>
+        </p:blipFill>
+        <p:spPr>
+          <a:xfrm flipH="1">
+            <a:off x="2494272" y="0"/>
+            <a:ext cx="9696141" cy="6858000"/>
+          </a:xfrm>
+          <a:prstGeom prst="rect">
+            <a:avLst/>
+          </a:prstGeom>
+        </p:spPr>
+      </p:pic>
       <p:sp>
         <p:nvSpPr>
-          <p:cNvPr id="3" name="Inhaltsplatzhalter 2">
+          <p:cNvPr id="7" name="Rechteck 6">
             <a:extLst>
               <a:ext uri="{FF2B5EF4-FFF2-40B4-BE49-F238E27FC236}">
-                <a16:creationId xmlns:a16="http://schemas.microsoft.com/office/drawing/2014/main" id="{23F63828-D4D2-4177-B7EB-B700DFEF3ED4}"/>
+                <a16:creationId xmlns:a16="http://schemas.microsoft.com/office/drawing/2014/main" id="{7C7E936D-22C4-473A-A10C-C63EFCC04070}"/>
+              </a:ext>
+            </a:extLst>
+          </p:cNvPr>
+          <p:cNvSpPr/>
+          <p:nvPr/>
+        </p:nvSpPr>
+        <p:spPr>
+          <a:xfrm>
+            <a:off x="-3" y="1"/>
+            <a:ext cx="11925303" cy="6857999"/>
+          </a:xfrm>
+          <a:prstGeom prst="rect">
+            <a:avLst/>
+          </a:prstGeom>
+          <a:gradFill>
+            <a:gsLst>
+              <a:gs pos="33000">
+                <a:srgbClr val="083C51"/>
+              </a:gs>
+              <a:gs pos="84000">
+                <a:srgbClr val="083C51">
+                  <a:alpha val="0"/>
+                </a:srgbClr>
+              </a:gs>
+            </a:gsLst>
+            <a:lin ang="0" scaled="0"/>
+          </a:gradFill>
+          <a:ln w="38100" cap="rnd">
+            <a:noFill/>
+            <a:prstDash val="solid"/>
+            <a:round/>
+          </a:ln>
+        </p:spPr>
+        <p:txBody>
+          <a:bodyPr rot="0" spcFirstLastPara="0" vertOverflow="overflow" horzOverflow="overflow" vert="horz" wrap="square" lIns="91440" tIns="45720" rIns="91440" bIns="45720" numCol="1" spcCol="0" rtlCol="0" fromWordArt="0" anchor="ctr" anchorCtr="0" forceAA="0" compatLnSpc="1">
+            <a:prstTxWarp prst="textNoShape">
+              <a:avLst/>
+            </a:prstTxWarp>
+            <a:noAutofit/>
+          </a:bodyPr>
+          <a:lstStyle/>
+          <a:p>
+            <a:endParaRPr lang="en-US" dirty="0"/>
+          </a:p>
+        </p:txBody>
+      </p:sp>
+      <p:sp>
+        <p:nvSpPr>
+          <p:cNvPr id="2" name="Titel 1">
+            <a:extLst>
+              <a:ext uri="{FF2B5EF4-FFF2-40B4-BE49-F238E27FC236}">
+                <a16:creationId xmlns:a16="http://schemas.microsoft.com/office/drawing/2014/main" id="{A2223680-E0FA-498B-B4F4-C959A048D800}"/>
+              </a:ext>
+            </a:extLst>
+          </p:cNvPr>
+          <p:cNvSpPr>
+            <a:spLocks noGrp="1"/>
+          </p:cNvSpPr>
+          <p:nvPr>
+            <p:ph type="title"/>
+          </p:nvPr>
+        </p:nvSpPr>
+        <p:spPr/>
+        <p:txBody>
+          <a:bodyPr/>
+          <a:lstStyle/>
+          <a:p>
+            <a:r>
+              <a:rPr lang="en-US" dirty="0">
+                <a:solidFill>
+                  <a:schemeClr val="bg1"/>
+                </a:solidFill>
+              </a:rPr>
+              <a:t>Exploratory Data Analysis (EDA) in Python</a:t>
+            </a:r>
+            <a:endParaRPr lang="en-US" dirty="0"/>
+          </a:p>
+        </p:txBody>
+      </p:sp>
+      <p:sp>
+        <p:nvSpPr>
+          <p:cNvPr id="12" name="Inhaltsplatzhalter 11">
+            <a:extLst>
+              <a:ext uri="{FF2B5EF4-FFF2-40B4-BE49-F238E27FC236}">
+                <a16:creationId xmlns:a16="http://schemas.microsoft.com/office/drawing/2014/main" id="{6D15E7F7-C3FD-4467-A8AB-0BC0491F97BE}"/>
               </a:ext>
             </a:extLst>
           </p:cNvPr>
@@ -4120,91 +4814,48 @@
             <a:pPr marL="0" indent="0">
               <a:buNone/>
             </a:pPr>
-            <a:endParaRPr lang="en-US" sz="1800" noProof="1"/>
-          </a:p>
-          <a:p>
-            <a:pPr marL="0" indent="0">
-              <a:buNone/>
-            </a:pPr>
-            <a:endParaRPr lang="en-US" sz="1800" noProof="1"/>
-          </a:p>
-          <a:p>
-            <a:endParaRPr lang="en-US" sz="1800" noProof="1"/>
-          </a:p>
-        </p:txBody>
-      </p:sp>
-      <p:sp>
-        <p:nvSpPr>
-          <p:cNvPr id="2" name="Titel 1">
-            <a:extLst>
-              <a:ext uri="{FF2B5EF4-FFF2-40B4-BE49-F238E27FC236}">
-                <a16:creationId xmlns:a16="http://schemas.microsoft.com/office/drawing/2014/main" id="{49EFE8CF-64D0-4DA2-8827-1E97427B0E9A}"/>
-              </a:ext>
-            </a:extLst>
-          </p:cNvPr>
-          <p:cNvSpPr>
-            <a:spLocks noGrp="1"/>
-          </p:cNvSpPr>
-          <p:nvPr>
-            <p:ph type="title"/>
-          </p:nvPr>
-        </p:nvSpPr>
-        <p:spPr/>
-        <p:txBody>
-          <a:bodyPr>
-            <a:noAutofit/>
-          </a:bodyPr>
-          <a:lstStyle/>
-          <a:p>
-            <a:r>
-              <a:rPr lang="en-US" noProof="1">
-                <a:solidFill>
-                  <a:schemeClr val="tx1"/>
-                </a:solidFill>
-              </a:rPr>
-              <a:t>Scope of Analysis</a:t>
-            </a:r>
+            <a:endParaRPr lang="en-US" sz="1800" noProof="1">
+              <a:solidFill>
+                <a:schemeClr val="bg1"/>
+              </a:solidFill>
+            </a:endParaRPr>
           </a:p>
         </p:txBody>
       </p:sp>
       <p:pic>
         <p:nvPicPr>
-          <p:cNvPr id="7" name="Bildplatzhalter 6" descr="Ein Bild, das Tisch, drinnen, sitzend, Toilettenartikel enthält.&#10;&#10;Automatisch generierte Beschreibung">
+          <p:cNvPr id="3" name="Picture 2" descr="A close-up of a logo">
             <a:extLst>
               <a:ext uri="{FF2B5EF4-FFF2-40B4-BE49-F238E27FC236}">
-                <a16:creationId xmlns:a16="http://schemas.microsoft.com/office/drawing/2014/main" id="{36AA8322-8AB4-4FA8-A817-666F553FFF44}"/>
+                <a16:creationId xmlns:a16="http://schemas.microsoft.com/office/drawing/2014/main" id="{4BBE3C26-076A-19D4-76F1-14B24558DD5F}"/>
               </a:ext>
             </a:extLst>
           </p:cNvPr>
           <p:cNvPicPr>
-            <a:picLocks noGrp="1" noChangeAspect="1"/>
+            <a:picLocks noChangeAspect="1"/>
           </p:cNvPicPr>
-          <p:nvPr>
-            <p:ph type="pic" sz="quarter" idx="16"/>
-          </p:nvPr>
+          <p:nvPr/>
         </p:nvPicPr>
-        <p:blipFill rotWithShape="1">
-          <a:blip r:embed="rId3" cstate="print">
-            <a:extLst>
-              <a:ext uri="{28A0092B-C50C-407E-A947-70E740481C1C}">
-                <a14:useLocalDpi xmlns:a14="http://schemas.microsoft.com/office/drawing/2010/main"/>
-              </a:ext>
-            </a:extLst>
-          </a:blip>
-          <a:srcRect/>
-          <a:stretch/>
+        <p:blipFill>
+          <a:blip r:embed="rId3"/>
+          <a:stretch>
+            <a:fillRect/>
+          </a:stretch>
         </p:blipFill>
         <p:spPr>
           <a:xfrm>
-            <a:off x="7914561" y="0"/>
-            <a:ext cx="4275851" cy="6858000"/>
-          </a:xfrm>
+            <a:off x="10956227" y="6274467"/>
+            <a:ext cx="969202" cy="345407"/>
+          </a:xfrm>
+          <a:prstGeom prst="rect">
+            <a:avLst/>
+          </a:prstGeom>
         </p:spPr>
       </p:pic>
     </p:spTree>
     <p:extLst>
       <p:ext uri="{BB962C8B-B14F-4D97-AF65-F5344CB8AC3E}">
-        <p14:creationId xmlns:p14="http://schemas.microsoft.com/office/powerpoint/2010/main" val="3450979939"/>
+        <p14:creationId xmlns:p14="http://schemas.microsoft.com/office/powerpoint/2010/main" val="2488723471"/>
       </p:ext>
     </p:extLst>
   </p:cSld>
@@ -4309,17 +4960,17 @@
                   <a:schemeClr val="tx1"/>
                 </a:solidFill>
               </a:rPr>
-              <a:t>Storytelling Approach</a:t>
+              <a:t>Scope of Analysis</a:t>
             </a:r>
           </a:p>
         </p:txBody>
       </p:sp>
       <p:pic>
         <p:nvPicPr>
-          <p:cNvPr id="6" name="Bildplatzhalter 5" descr="Ein Bild, das drinnen, sitzend, schließen, klein enthält.&#10;&#10;Automatisch generierte Beschreibung">
+          <p:cNvPr id="7" name="Bildplatzhalter 6" descr="Ein Bild, das Tisch, drinnen, sitzend, Toilettenartikel enthält.&#10;&#10;Automatisch generierte Beschreibung">
             <a:extLst>
               <a:ext uri="{FF2B5EF4-FFF2-40B4-BE49-F238E27FC236}">
-                <a16:creationId xmlns:a16="http://schemas.microsoft.com/office/drawing/2014/main" id="{4B231B63-D29D-403E-9139-A21D114786F7}"/>
+                <a16:creationId xmlns:a16="http://schemas.microsoft.com/office/drawing/2014/main" id="{36AA8322-8AB4-4FA8-A817-666F553FFF44}"/>
               </a:ext>
             </a:extLst>
           </p:cNvPr>
@@ -4348,10 +4999,40 @@
           </a:xfrm>
         </p:spPr>
       </p:pic>
+      <p:pic>
+        <p:nvPicPr>
+          <p:cNvPr id="4" name="Picture 3" descr="A close-up of a logo">
+            <a:extLst>
+              <a:ext uri="{FF2B5EF4-FFF2-40B4-BE49-F238E27FC236}">
+                <a16:creationId xmlns:a16="http://schemas.microsoft.com/office/drawing/2014/main" id="{E673477E-F903-0C34-942E-6FF719191B0B}"/>
+              </a:ext>
+            </a:extLst>
+          </p:cNvPr>
+          <p:cNvPicPr>
+            <a:picLocks noChangeAspect="1"/>
+          </p:cNvPicPr>
+          <p:nvPr/>
+        </p:nvPicPr>
+        <p:blipFill>
+          <a:blip r:embed="rId4"/>
+          <a:stretch>
+            <a:fillRect/>
+          </a:stretch>
+        </p:blipFill>
+        <p:spPr>
+          <a:xfrm>
+            <a:off x="10956227" y="6274467"/>
+            <a:ext cx="969202" cy="345407"/>
+          </a:xfrm>
+          <a:prstGeom prst="rect">
+            <a:avLst/>
+          </a:prstGeom>
+        </p:spPr>
+      </p:pic>
     </p:spTree>
     <p:extLst>
       <p:ext uri="{BB962C8B-B14F-4D97-AF65-F5344CB8AC3E}">
-        <p14:creationId xmlns:p14="http://schemas.microsoft.com/office/powerpoint/2010/main" val="645575283"/>
+        <p14:creationId xmlns:p14="http://schemas.microsoft.com/office/powerpoint/2010/main" val="3450979939"/>
       </p:ext>
     </p:extLst>
   </p:cSld>
@@ -4510,31 +5191,66 @@
           </a:p>
         </p:txBody>
       </p:sp>
-      <p:sp>
-        <p:nvSpPr>
-          <p:cNvPr id="12" name="Inhaltsplatzhalter 11">
+      <p:pic>
+        <p:nvPicPr>
+          <p:cNvPr id="3" name="Picture 2" descr="A close-up of a logo">
             <a:extLst>
               <a:ext uri="{FF2B5EF4-FFF2-40B4-BE49-F238E27FC236}">
-                <a16:creationId xmlns:a16="http://schemas.microsoft.com/office/drawing/2014/main" id="{6D15E7F7-C3FD-4467-A8AB-0BC0491F97BE}"/>
+                <a16:creationId xmlns:a16="http://schemas.microsoft.com/office/drawing/2014/main" id="{52AD9F64-84A2-B8D2-8B56-6D8F7BF513A5}"/>
               </a:ext>
             </a:extLst>
           </p:cNvPr>
-          <p:cNvSpPr>
-            <a:spLocks noGrp="1"/>
-          </p:cNvSpPr>
-          <p:nvPr>
-            <p:ph idx="15"/>
-          </p:nvPr>
-        </p:nvSpPr>
-        <p:spPr/>
-        <p:txBody>
-          <a:bodyPr/>
-          <a:lstStyle/>
-          <a:p>
-            <a:endParaRPr lang="en-US" sz="1800" dirty="0"/>
-          </a:p>
-        </p:txBody>
-      </p:sp>
+          <p:cNvPicPr>
+            <a:picLocks noChangeAspect="1"/>
+          </p:cNvPicPr>
+          <p:nvPr/>
+        </p:nvPicPr>
+        <p:blipFill>
+          <a:blip r:embed="rId3"/>
+          <a:stretch>
+            <a:fillRect/>
+          </a:stretch>
+        </p:blipFill>
+        <p:spPr>
+          <a:xfrm>
+            <a:off x="10956227" y="6274467"/>
+            <a:ext cx="969202" cy="345407"/>
+          </a:xfrm>
+          <a:prstGeom prst="rect">
+            <a:avLst/>
+          </a:prstGeom>
+        </p:spPr>
+      </p:pic>
+      <p:pic>
+        <p:nvPicPr>
+          <p:cNvPr id="11" name="Picture 10">
+            <a:extLst>
+              <a:ext uri="{FF2B5EF4-FFF2-40B4-BE49-F238E27FC236}">
+                <a16:creationId xmlns:a16="http://schemas.microsoft.com/office/drawing/2014/main" id="{66C96ACD-0CC1-8865-A288-61102980201D}"/>
+              </a:ext>
+            </a:extLst>
+          </p:cNvPr>
+          <p:cNvPicPr>
+            <a:picLocks noChangeAspect="1"/>
+          </p:cNvPicPr>
+          <p:nvPr/>
+        </p:nvPicPr>
+        <p:blipFill>
+          <a:blip r:embed="rId4"/>
+          <a:stretch>
+            <a:fillRect/>
+          </a:stretch>
+        </p:blipFill>
+        <p:spPr>
+          <a:xfrm>
+            <a:off x="516126" y="1075258"/>
+            <a:ext cx="9304036" cy="4868342"/>
+          </a:xfrm>
+          <a:prstGeom prst="rect">
+            <a:avLst/>
+          </a:prstGeom>
+        </p:spPr>
+      </p:pic>
     </p:spTree>
     <p:extLst>
       <p:ext uri="{BB962C8B-B14F-4D97-AF65-F5344CB8AC3E}">
@@ -4577,40 +5293,90 @@
           <a:chExt cx="0" cy="0"/>
         </a:xfrm>
       </p:grpSpPr>
-      <p:sp>
-        <p:nvSpPr>
-          <p:cNvPr id="3" name="Inhaltsplatzhalter 2">
+      <p:pic>
+        <p:nvPicPr>
+          <p:cNvPr id="4" name="Grafik 3" descr="Ein Bild, das Katze, Mann enthält.&#10;&#10;Automatisch generierte Beschreibung">
             <a:extLst>
               <a:ext uri="{FF2B5EF4-FFF2-40B4-BE49-F238E27FC236}">
-                <a16:creationId xmlns:a16="http://schemas.microsoft.com/office/drawing/2014/main" id="{23F63828-D4D2-4177-B7EB-B700DFEF3ED4}"/>
+                <a16:creationId xmlns:a16="http://schemas.microsoft.com/office/drawing/2014/main" id="{63529908-DD91-45C1-8DDC-244C43C1470C}"/>
               </a:ext>
             </a:extLst>
           </p:cNvPr>
-          <p:cNvSpPr>
-            <a:spLocks noGrp="1"/>
-          </p:cNvSpPr>
-          <p:nvPr>
-            <p:ph idx="15"/>
-          </p:nvPr>
+          <p:cNvPicPr>
+            <a:picLocks noChangeAspect="1"/>
+          </p:cNvPicPr>
+          <p:nvPr/>
+        </p:nvPicPr>
+        <p:blipFill rotWithShape="1">
+          <a:blip r:embed="rId2" cstate="print">
+            <a:extLst>
+              <a:ext uri="{28A0092B-C50C-407E-A947-70E740481C1C}">
+                <a14:useLocalDpi xmlns:a14="http://schemas.microsoft.com/office/drawing/2010/main"/>
+              </a:ext>
+            </a:extLst>
+          </a:blip>
+          <a:srcRect l="-14407"/>
+          <a:stretch/>
+        </p:blipFill>
+        <p:spPr>
+          <a:xfrm>
+            <a:off x="1903416" y="1"/>
+            <a:ext cx="10286997" cy="6857998"/>
+          </a:xfrm>
+          <a:prstGeom prst="rect">
+            <a:avLst/>
+          </a:prstGeom>
+        </p:spPr>
+      </p:pic>
+      <p:sp>
+        <p:nvSpPr>
+          <p:cNvPr id="8" name="Rechteck 7">
+            <a:extLst>
+              <a:ext uri="{FF2B5EF4-FFF2-40B4-BE49-F238E27FC236}">
+                <a16:creationId xmlns:a16="http://schemas.microsoft.com/office/drawing/2014/main" id="{C16FB869-D718-4149-A685-88AC9F4A1F74}"/>
+              </a:ext>
+            </a:extLst>
+          </p:cNvPr>
+          <p:cNvSpPr/>
+          <p:nvPr/>
         </p:nvSpPr>
-        <p:spPr/>
+        <p:spPr>
+          <a:xfrm>
+            <a:off x="-3" y="1"/>
+            <a:ext cx="11925303" cy="6857999"/>
+          </a:xfrm>
+          <a:prstGeom prst="rect">
+            <a:avLst/>
+          </a:prstGeom>
+          <a:gradFill>
+            <a:gsLst>
+              <a:gs pos="33000">
+                <a:srgbClr val="083C51"/>
+              </a:gs>
+              <a:gs pos="84000">
+                <a:srgbClr val="083C51">
+                  <a:alpha val="0"/>
+                </a:srgbClr>
+              </a:gs>
+            </a:gsLst>
+            <a:lin ang="0" scaled="0"/>
+          </a:gradFill>
+          <a:ln w="38100" cap="rnd">
+            <a:noFill/>
+            <a:prstDash val="solid"/>
+            <a:round/>
+          </a:ln>
+        </p:spPr>
         <p:txBody>
-          <a:bodyPr/>
+          <a:bodyPr rot="0" spcFirstLastPara="0" vertOverflow="overflow" horzOverflow="overflow" vert="horz" wrap="square" lIns="91440" tIns="45720" rIns="91440" bIns="45720" numCol="1" spcCol="0" rtlCol="0" fromWordArt="0" anchor="ctr" anchorCtr="0" forceAA="0" compatLnSpc="1">
+            <a:prstTxWarp prst="textNoShape">
+              <a:avLst/>
+            </a:prstTxWarp>
+            <a:noAutofit/>
+          </a:bodyPr>
           <a:lstStyle/>
           <a:p>
-            <a:pPr marL="0" indent="0">
-              <a:buNone/>
-            </a:pPr>
-            <a:endParaRPr lang="en-US" sz="1800" noProof="1"/>
-          </a:p>
-          <a:p>
-            <a:pPr marL="0" indent="0">
-              <a:buNone/>
-            </a:pPr>
-            <a:endParaRPr lang="en-US" sz="1800" noProof="1"/>
-          </a:p>
-          <a:p>
-            <a:endParaRPr lang="en-US" sz="1800" noProof="1"/>
+            <a:endParaRPr lang="en-US" dirty="0"/>
           </a:p>
         </p:txBody>
       </p:sp>
@@ -4619,7 +5385,7 @@
           <p:cNvPr id="2" name="Titel 1">
             <a:extLst>
               <a:ext uri="{FF2B5EF4-FFF2-40B4-BE49-F238E27FC236}">
-                <a16:creationId xmlns:a16="http://schemas.microsoft.com/office/drawing/2014/main" id="{49EFE8CF-64D0-4DA2-8827-1E97427B0E9A}"/>
+                <a16:creationId xmlns:a16="http://schemas.microsoft.com/office/drawing/2014/main" id="{A2223680-E0FA-498B-B4F4-C959A048D800}"/>
               </a:ext>
             </a:extLst>
           </p:cNvPr>
@@ -4632,60 +5398,85 @@
         </p:nvSpPr>
         <p:spPr/>
         <p:txBody>
-          <a:bodyPr>
-            <a:noAutofit/>
-          </a:bodyPr>
+          <a:bodyPr/>
           <a:lstStyle/>
           <a:p>
             <a:r>
-              <a:rPr lang="en-US" noProof="1">
+              <a:rPr lang="en-US" dirty="0">
                 <a:solidFill>
-                  <a:schemeClr val="tx1"/>
+                  <a:schemeClr val="bg1"/>
                 </a:solidFill>
               </a:rPr>
-              <a:t>Key Findings</a:t>
+              <a:t>Business Intelligence (BI) Dashboard</a:t>
             </a:r>
+            <a:endParaRPr lang="en-US" dirty="0"/>
           </a:p>
         </p:txBody>
       </p:sp>
       <p:pic>
         <p:nvPicPr>
-          <p:cNvPr id="6" name="Bildplatzhalter 5" descr="Ein Bild, das drinnen, Zahnbürste, Tisch, Tasse enthält.&#10;&#10;Automatisch generierte Beschreibung">
+          <p:cNvPr id="3" name="Picture 2" descr="A close-up of a logo">
             <a:extLst>
               <a:ext uri="{FF2B5EF4-FFF2-40B4-BE49-F238E27FC236}">
-                <a16:creationId xmlns:a16="http://schemas.microsoft.com/office/drawing/2014/main" id="{F92E5BF5-922F-4386-8CC5-461669805845}"/>
+                <a16:creationId xmlns:a16="http://schemas.microsoft.com/office/drawing/2014/main" id="{52AD9F64-84A2-B8D2-8B56-6D8F7BF513A5}"/>
               </a:ext>
             </a:extLst>
           </p:cNvPr>
           <p:cNvPicPr>
-            <a:picLocks noGrp="1" noChangeAspect="1"/>
+            <a:picLocks noChangeAspect="1"/>
           </p:cNvPicPr>
-          <p:nvPr>
-            <p:ph type="pic" sz="quarter" idx="16"/>
-          </p:nvPr>
+          <p:nvPr/>
         </p:nvPicPr>
-        <p:blipFill rotWithShape="1">
-          <a:blip r:embed="rId3" cstate="print">
+        <p:blipFill>
+          <a:blip r:embed="rId3"/>
+          <a:stretch>
+            <a:fillRect/>
+          </a:stretch>
+        </p:blipFill>
+        <p:spPr>
+          <a:xfrm>
+            <a:off x="10956227" y="6274467"/>
+            <a:ext cx="969202" cy="345407"/>
+          </a:xfrm>
+          <a:prstGeom prst="rect">
+            <a:avLst/>
+          </a:prstGeom>
+        </p:spPr>
+      </p:pic>
+      <p:pic>
+        <p:nvPicPr>
+          <p:cNvPr id="6" name="Picture 5">
             <a:extLst>
-              <a:ext uri="{28A0092B-C50C-407E-A947-70E740481C1C}">
-                <a14:useLocalDpi xmlns:a14="http://schemas.microsoft.com/office/drawing/2010/main"/>
+              <a:ext uri="{FF2B5EF4-FFF2-40B4-BE49-F238E27FC236}">
+                <a16:creationId xmlns:a16="http://schemas.microsoft.com/office/drawing/2014/main" id="{4C5E8BE0-C476-60AF-8B70-01B9872B5795}"/>
               </a:ext>
             </a:extLst>
-          </a:blip>
-          <a:srcRect/>
-          <a:stretch/>
+          </p:cNvPr>
+          <p:cNvPicPr>
+            <a:picLocks noChangeAspect="1"/>
+          </p:cNvPicPr>
+          <p:nvPr/>
+        </p:nvPicPr>
+        <p:blipFill>
+          <a:blip r:embed="rId4"/>
+          <a:stretch>
+            <a:fillRect/>
+          </a:stretch>
         </p:blipFill>
         <p:spPr>
           <a:xfrm>
-            <a:off x="7914561" y="0"/>
-            <a:ext cx="4275851" cy="6858000"/>
-          </a:xfrm>
+            <a:off x="539748" y="885620"/>
+            <a:ext cx="11403162" cy="4816440"/>
+          </a:xfrm>
+          <a:prstGeom prst="rect">
+            <a:avLst/>
+          </a:prstGeom>
         </p:spPr>
       </p:pic>
     </p:spTree>
     <p:extLst>
       <p:ext uri="{BB962C8B-B14F-4D97-AF65-F5344CB8AC3E}">
-        <p14:creationId xmlns:p14="http://schemas.microsoft.com/office/powerpoint/2010/main" val="4292376121"/>
+        <p14:creationId xmlns:p14="http://schemas.microsoft.com/office/powerpoint/2010/main" val="3158549744"/>
       </p:ext>
     </p:extLst>
   </p:cSld>
@@ -4724,58 +5515,12 @@
           <a:chExt cx="0" cy="0"/>
         </a:xfrm>
       </p:grpSpPr>
-      <p:sp>
-        <p:nvSpPr>
-          <p:cNvPr id="8" name="Rechteck 7">
+      <p:pic>
+        <p:nvPicPr>
+          <p:cNvPr id="4" name="Grafik 3" descr="Ein Bild, das Katze, Mann enthält.&#10;&#10;Automatisch generierte Beschreibung">
             <a:extLst>
               <a:ext uri="{FF2B5EF4-FFF2-40B4-BE49-F238E27FC236}">
-                <a16:creationId xmlns:a16="http://schemas.microsoft.com/office/drawing/2014/main" id="{A36F5B40-7C50-4388-B1EA-EC07E06980E6}"/>
-              </a:ext>
-            </a:extLst>
-          </p:cNvPr>
-          <p:cNvSpPr/>
-          <p:nvPr/>
-        </p:nvSpPr>
-        <p:spPr>
-          <a:xfrm>
-            <a:off x="0" y="0"/>
-            <a:ext cx="12198076" cy="6858000"/>
-          </a:xfrm>
-          <a:prstGeom prst="rect">
-            <a:avLst/>
-          </a:prstGeom>
-          <a:gradFill>
-            <a:gsLst>
-              <a:gs pos="22000">
-                <a:srgbClr val="175783"/>
-              </a:gs>
-              <a:gs pos="60000">
-                <a:schemeClr val="tx1"/>
-              </a:gs>
-            </a:gsLst>
-            <a:lin ang="0" scaled="0"/>
-          </a:gradFill>
-          <a:ln w="38100" cap="rnd">
-            <a:noFill/>
-            <a:prstDash val="solid"/>
-            <a:round/>
-          </a:ln>
-        </p:spPr>
-        <p:txBody>
-          <a:bodyPr rtlCol="0" anchor="ctr"/>
-          <a:lstStyle/>
-          <a:p>
-            <a:pPr algn="l"/>
-            <a:endParaRPr lang="en-US" dirty="0"/>
-          </a:p>
-        </p:txBody>
-      </p:sp>
-      <p:pic>
-        <p:nvPicPr>
-          <p:cNvPr id="10" name="Grafik 9" descr="Ein Bild, das Wasser, dunkel, weiß, Nacht enthält.&#10;&#10;Automatisch generierte Beschreibung">
-            <a:extLst>
-              <a:ext uri="{FF2B5EF4-FFF2-40B4-BE49-F238E27FC236}">
-                <a16:creationId xmlns:a16="http://schemas.microsoft.com/office/drawing/2014/main" id="{A915CFE0-9531-4406-B751-B1C143849FE2}"/>
+                <a16:creationId xmlns:a16="http://schemas.microsoft.com/office/drawing/2014/main" id="{63529908-DD91-45C1-8DDC-244C43C1470C}"/>
               </a:ext>
             </a:extLst>
           </p:cNvPr>
@@ -4792,28 +5537,25 @@
               </a:ext>
             </a:extLst>
           </a:blip>
-          <a:srcRect/>
+          <a:srcRect l="-14407"/>
           <a:stretch/>
         </p:blipFill>
         <p:spPr>
           <a:xfrm>
-            <a:off x="5669280" y="786384"/>
-            <a:ext cx="5888736" cy="5431536"/>
-          </a:xfrm>
-          <a:prstGeom prst="ellipse">
+            <a:off x="1903416" y="1"/>
+            <a:ext cx="10286997" cy="6857998"/>
+          </a:xfrm>
+          <a:prstGeom prst="rect">
             <a:avLst/>
           </a:prstGeom>
-          <a:effectLst>
-            <a:softEdge rad="63500"/>
-          </a:effectLst>
         </p:spPr>
       </p:pic>
       <p:sp>
         <p:nvSpPr>
-          <p:cNvPr id="5" name="Rechteck 4">
+          <p:cNvPr id="8" name="Rechteck 7">
             <a:extLst>
               <a:ext uri="{FF2B5EF4-FFF2-40B4-BE49-F238E27FC236}">
-                <a16:creationId xmlns:a16="http://schemas.microsoft.com/office/drawing/2014/main" id="{5CD1642E-3E82-449B-BE57-B1F921E8FE12}"/>
+                <a16:creationId xmlns:a16="http://schemas.microsoft.com/office/drawing/2014/main" id="{C16FB869-D718-4149-A685-88AC9F4A1F74}"/>
               </a:ext>
             </a:extLst>
           </p:cNvPr>
@@ -4822,129 +5564,141 @@
         </p:nvSpPr>
         <p:spPr>
           <a:xfrm>
-            <a:off x="789256" y="2642789"/>
-            <a:ext cx="2146623" cy="923330"/>
+            <a:off x="-3" y="1"/>
+            <a:ext cx="11925303" cy="6857999"/>
           </a:xfrm>
           <a:prstGeom prst="rect">
             <a:avLst/>
           </a:prstGeom>
-          <a:solidFill>
-            <a:schemeClr val="tx1">
-              <a:alpha val="52000"/>
-            </a:schemeClr>
-          </a:solidFill>
-          <a:ln>
+          <a:gradFill>
+            <a:gsLst>
+              <a:gs pos="33000">
+                <a:srgbClr val="083C51"/>
+              </a:gs>
+              <a:gs pos="84000">
+                <a:srgbClr val="083C51">
+                  <a:alpha val="0"/>
+                </a:srgbClr>
+              </a:gs>
+            </a:gsLst>
+            <a:lin ang="0" scaled="0"/>
+          </a:gradFill>
+          <a:ln w="38100" cap="rnd">
             <a:noFill/>
+            <a:prstDash val="solid"/>
+            <a:round/>
           </a:ln>
         </p:spPr>
-        <p:style>
-          <a:lnRef idx="2">
-            <a:schemeClr val="accent1">
-              <a:shade val="50000"/>
-            </a:schemeClr>
-          </a:lnRef>
-          <a:fillRef idx="1">
-            <a:schemeClr val="accent1"/>
-          </a:fillRef>
-          <a:effectRef idx="0">
-            <a:schemeClr val="accent1"/>
-          </a:effectRef>
-          <a:fontRef idx="minor">
-            <a:schemeClr val="lt1"/>
-          </a:fontRef>
-        </p:style>
         <p:txBody>
-          <a:bodyPr wrap="none" lIns="216000" tIns="0" rIns="216000" bIns="0" rtlCol="0" anchor="ctr" anchorCtr="0">
-            <a:spAutoFit/>
+          <a:bodyPr rot="0" spcFirstLastPara="0" vertOverflow="overflow" horzOverflow="overflow" vert="horz" wrap="square" lIns="91440" tIns="45720" rIns="91440" bIns="45720" numCol="1" spcCol="0" rtlCol="0" fromWordArt="0" anchor="ctr" anchorCtr="0" forceAA="0" compatLnSpc="1">
+            <a:prstTxWarp prst="textNoShape">
+              <a:avLst/>
+            </a:prstTxWarp>
+            <a:noAutofit/>
           </a:bodyPr>
           <a:lstStyle/>
           <a:p>
-            <a:r>
-              <a:rPr lang="en-US" sz="6000" b="1" dirty="0"/>
-              <a:t> Q&amp;A</a:t>
-            </a:r>
+            <a:endParaRPr lang="en-US" dirty="0"/>
           </a:p>
         </p:txBody>
       </p:sp>
       <p:sp>
         <p:nvSpPr>
-          <p:cNvPr id="7" name="Rechteck 6">
+          <p:cNvPr id="2" name="Titel 1">
             <a:extLst>
               <a:ext uri="{FF2B5EF4-FFF2-40B4-BE49-F238E27FC236}">
-                <a16:creationId xmlns:a16="http://schemas.microsoft.com/office/drawing/2014/main" id="{A7F1F95C-D6C1-4089-A907-8E92A7A49D1E}"/>
+                <a16:creationId xmlns:a16="http://schemas.microsoft.com/office/drawing/2014/main" id="{A2223680-E0FA-498B-B4F4-C959A048D800}"/>
               </a:ext>
             </a:extLst>
           </p:cNvPr>
-          <p:cNvSpPr/>
+          <p:cNvSpPr>
+            <a:spLocks noGrp="1"/>
+          </p:cNvSpPr>
+          <p:nvPr>
+            <p:ph type="title"/>
+          </p:nvPr>
+        </p:nvSpPr>
+        <p:spPr/>
+        <p:txBody>
+          <a:bodyPr/>
+          <a:lstStyle/>
+          <a:p>
+            <a:r>
+              <a:rPr lang="en-US" dirty="0">
+                <a:solidFill>
+                  <a:schemeClr val="bg1"/>
+                </a:solidFill>
+              </a:rPr>
+              <a:t>Business Intelligence (BI) Dashboard</a:t>
+            </a:r>
+            <a:endParaRPr lang="en-US" dirty="0"/>
+          </a:p>
+        </p:txBody>
+      </p:sp>
+      <p:pic>
+        <p:nvPicPr>
+          <p:cNvPr id="3" name="Picture 2" descr="A close-up of a logo">
+            <a:extLst>
+              <a:ext uri="{FF2B5EF4-FFF2-40B4-BE49-F238E27FC236}">
+                <a16:creationId xmlns:a16="http://schemas.microsoft.com/office/drawing/2014/main" id="{52AD9F64-84A2-B8D2-8B56-6D8F7BF513A5}"/>
+              </a:ext>
+            </a:extLst>
+          </p:cNvPr>
+          <p:cNvPicPr>
+            <a:picLocks noChangeAspect="1"/>
+          </p:cNvPicPr>
           <p:nvPr/>
-        </p:nvSpPr>
+        </p:nvPicPr>
+        <p:blipFill>
+          <a:blip r:embed="rId3"/>
+          <a:stretch>
+            <a:fillRect/>
+          </a:stretch>
+        </p:blipFill>
         <p:spPr>
           <a:xfrm>
-            <a:off x="789256" y="5407445"/>
-            <a:ext cx="3352082" cy="775597"/>
+            <a:off x="10956227" y="6274467"/>
+            <a:ext cx="969202" cy="345407"/>
           </a:xfrm>
           <a:prstGeom prst="rect">
             <a:avLst/>
           </a:prstGeom>
-          <a:noFill/>
-          <a:ln>
-            <a:noFill/>
-          </a:ln>
-        </p:spPr>
-        <p:style>
-          <a:lnRef idx="2">
-            <a:schemeClr val="accent1">
-              <a:shade val="50000"/>
-            </a:schemeClr>
-          </a:lnRef>
-          <a:fillRef idx="1">
-            <a:schemeClr val="accent1"/>
-          </a:fillRef>
-          <a:effectRef idx="0">
-            <a:schemeClr val="accent1"/>
-          </a:effectRef>
-          <a:fontRef idx="minor">
-            <a:schemeClr val="lt1"/>
-          </a:fontRef>
-        </p:style>
-        <p:txBody>
-          <a:bodyPr wrap="none" lIns="216000" tIns="0" rIns="216000" bIns="0" rtlCol="0" anchor="ctr" anchorCtr="0">
-            <a:spAutoFit/>
-          </a:bodyPr>
-          <a:lstStyle/>
-          <a:p>
-            <a:pPr>
-              <a:lnSpc>
-                <a:spcPct val="90000"/>
-              </a:lnSpc>
-            </a:pPr>
-            <a:r>
-              <a:rPr lang="en-US" sz="2800" dirty="0">
-                <a:latin typeface="Calibri Light" panose="020F0302020204030204" pitchFamily="34" charset="0"/>
-                <a:cs typeface="Calibri Light" panose="020F0302020204030204" pitchFamily="34" charset="0"/>
-              </a:rPr>
-              <a:t>Alexandros Rammos</a:t>
-            </a:r>
-            <a:br>
-              <a:rPr lang="en-US" sz="2800" dirty="0">
-                <a:latin typeface="Calibri Light" panose="020F0302020204030204" pitchFamily="34" charset="0"/>
-                <a:cs typeface="Calibri Light" panose="020F0302020204030204" pitchFamily="34" charset="0"/>
-              </a:rPr>
-            </a:br>
-            <a:r>
-              <a:rPr lang="en-US" sz="2800" dirty="0">
-                <a:latin typeface="Calibri Light" panose="020F0302020204030204" pitchFamily="34" charset="0"/>
-                <a:cs typeface="Calibri Light" panose="020F0302020204030204" pitchFamily="34" charset="0"/>
-              </a:rPr>
-              <a:t>Eleftherios Morits</a:t>
-            </a:r>
-          </a:p>
-        </p:txBody>
-      </p:sp>
+        </p:spPr>
+      </p:pic>
+      <p:pic>
+        <p:nvPicPr>
+          <p:cNvPr id="9" name="Picture 8">
+            <a:extLst>
+              <a:ext uri="{FF2B5EF4-FFF2-40B4-BE49-F238E27FC236}">
+                <a16:creationId xmlns:a16="http://schemas.microsoft.com/office/drawing/2014/main" id="{955F3180-6C6D-C6F7-9FC9-DB9A43EA920E}"/>
+              </a:ext>
+            </a:extLst>
+          </p:cNvPr>
+          <p:cNvPicPr>
+            <a:picLocks noChangeAspect="1"/>
+          </p:cNvPicPr>
+          <p:nvPr/>
+        </p:nvPicPr>
+        <p:blipFill>
+          <a:blip r:embed="rId4"/>
+          <a:stretch>
+            <a:fillRect/>
+          </a:stretch>
+        </p:blipFill>
+        <p:spPr>
+          <a:xfrm>
+            <a:off x="516126" y="947390"/>
+            <a:ext cx="9958120" cy="5327077"/>
+          </a:xfrm>
+          <a:prstGeom prst="rect">
+            <a:avLst/>
+          </a:prstGeom>
+        </p:spPr>
+      </p:pic>
     </p:spTree>
     <p:extLst>
       <p:ext uri="{BB962C8B-B14F-4D97-AF65-F5344CB8AC3E}">
-        <p14:creationId xmlns:p14="http://schemas.microsoft.com/office/powerpoint/2010/main" val="262872870"/>
+        <p14:creationId xmlns:p14="http://schemas.microsoft.com/office/powerpoint/2010/main" val="2276268965"/>
       </p:ext>
     </p:extLst>
   </p:cSld>
@@ -4983,22 +5737,95 @@
           <a:chExt cx="0" cy="0"/>
         </a:xfrm>
       </p:grpSpPr>
+      <p:sp>
+        <p:nvSpPr>
+          <p:cNvPr id="3" name="Inhaltsplatzhalter 2">
+            <a:extLst>
+              <a:ext uri="{FF2B5EF4-FFF2-40B4-BE49-F238E27FC236}">
+                <a16:creationId xmlns:a16="http://schemas.microsoft.com/office/drawing/2014/main" id="{23F63828-D4D2-4177-B7EB-B700DFEF3ED4}"/>
+              </a:ext>
+            </a:extLst>
+          </p:cNvPr>
+          <p:cNvSpPr>
+            <a:spLocks noGrp="1"/>
+          </p:cNvSpPr>
+          <p:nvPr>
+            <p:ph idx="15"/>
+          </p:nvPr>
+        </p:nvSpPr>
+        <p:spPr/>
+        <p:txBody>
+          <a:bodyPr/>
+          <a:lstStyle/>
+          <a:p>
+            <a:pPr marL="0" indent="0">
+              <a:buNone/>
+            </a:pPr>
+            <a:endParaRPr lang="en-US" sz="1800" noProof="1"/>
+          </a:p>
+          <a:p>
+            <a:pPr marL="0" indent="0">
+              <a:buNone/>
+            </a:pPr>
+            <a:endParaRPr lang="en-US" sz="1800" noProof="1"/>
+          </a:p>
+          <a:p>
+            <a:endParaRPr lang="en-US" sz="1800" noProof="1"/>
+          </a:p>
+        </p:txBody>
+      </p:sp>
+      <p:sp>
+        <p:nvSpPr>
+          <p:cNvPr id="2" name="Titel 1">
+            <a:extLst>
+              <a:ext uri="{FF2B5EF4-FFF2-40B4-BE49-F238E27FC236}">
+                <a16:creationId xmlns:a16="http://schemas.microsoft.com/office/drawing/2014/main" id="{49EFE8CF-64D0-4DA2-8827-1E97427B0E9A}"/>
+              </a:ext>
+            </a:extLst>
+          </p:cNvPr>
+          <p:cNvSpPr>
+            <a:spLocks noGrp="1"/>
+          </p:cNvSpPr>
+          <p:nvPr>
+            <p:ph type="title"/>
+          </p:nvPr>
+        </p:nvSpPr>
+        <p:spPr/>
+        <p:txBody>
+          <a:bodyPr>
+            <a:noAutofit/>
+          </a:bodyPr>
+          <a:lstStyle/>
+          <a:p>
+            <a:r>
+              <a:rPr lang="en-US" noProof="1">
+                <a:solidFill>
+                  <a:schemeClr val="tx1"/>
+                </a:solidFill>
+              </a:rPr>
+              <a:t>Key Findings</a:t>
+            </a:r>
+          </a:p>
+        </p:txBody>
+      </p:sp>
       <p:pic>
         <p:nvPicPr>
-          <p:cNvPr id="11" name="Grafik 10" descr="Ein Bild, das Wasser, blau, weiß, Luft enthält.&#10;&#10;Automatisch generierte Beschreibung">
+          <p:cNvPr id="6" name="Bildplatzhalter 5" descr="Ein Bild, das drinnen, Zahnbürste, Tisch, Tasse enthält.&#10;&#10;Automatisch generierte Beschreibung">
             <a:extLst>
               <a:ext uri="{FF2B5EF4-FFF2-40B4-BE49-F238E27FC236}">
-                <a16:creationId xmlns:a16="http://schemas.microsoft.com/office/drawing/2014/main" id="{1EC40168-79FC-4085-BDFA-BA34566385CE}"/>
+                <a16:creationId xmlns:a16="http://schemas.microsoft.com/office/drawing/2014/main" id="{F92E5BF5-922F-4386-8CC5-461669805845}"/>
               </a:ext>
             </a:extLst>
           </p:cNvPr>
           <p:cNvPicPr>
-            <a:picLocks noChangeAspect="1"/>
+            <a:picLocks noGrp="1" noChangeAspect="1"/>
           </p:cNvPicPr>
-          <p:nvPr/>
+          <p:nvPr>
+            <p:ph type="pic" sz="quarter" idx="16"/>
+          </p:nvPr>
         </p:nvPicPr>
         <p:blipFill rotWithShape="1">
-          <a:blip r:embed="rId2" cstate="print">
+          <a:blip r:embed="rId3" cstate="print">
             <a:extLst>
               <a:ext uri="{28A0092B-C50C-407E-A947-70E740481C1C}">
                 <a14:useLocalDpi xmlns:a14="http://schemas.microsoft.com/office/drawing/2010/main"/>
@@ -5010,83 +5837,15 @@
         </p:blipFill>
         <p:spPr>
           <a:xfrm>
-            <a:off x="-18113" y="0"/>
-            <a:ext cx="12208525" cy="6858000"/>
-          </a:xfrm>
-          <a:prstGeom prst="rect">
-            <a:avLst/>
-          </a:prstGeom>
+            <a:off x="7914561" y="0"/>
+            <a:ext cx="4275851" cy="6858000"/>
+          </a:xfrm>
         </p:spPr>
       </p:pic>
-      <p:sp>
-        <p:nvSpPr>
-          <p:cNvPr id="5" name="Rechteck 4">
-            <a:extLst>
-              <a:ext uri="{FF2B5EF4-FFF2-40B4-BE49-F238E27FC236}">
-                <a16:creationId xmlns:a16="http://schemas.microsoft.com/office/drawing/2014/main" id="{5CD1642E-3E82-449B-BE57-B1F921E8FE12}"/>
-              </a:ext>
-            </a:extLst>
-          </p:cNvPr>
-          <p:cNvSpPr/>
-          <p:nvPr/>
-        </p:nvSpPr>
-        <p:spPr>
-          <a:xfrm rot="20878226">
-            <a:off x="4441147" y="3023023"/>
-            <a:ext cx="3732506" cy="1846659"/>
-          </a:xfrm>
-          <a:prstGeom prst="rect">
-            <a:avLst/>
-          </a:prstGeom>
-          <a:noFill/>
-          <a:ln>
-            <a:noFill/>
-          </a:ln>
-        </p:spPr>
-        <p:style>
-          <a:lnRef idx="2">
-            <a:schemeClr val="accent1">
-              <a:shade val="50000"/>
-            </a:schemeClr>
-          </a:lnRef>
-          <a:fillRef idx="1">
-            <a:schemeClr val="accent1"/>
-          </a:fillRef>
-          <a:effectRef idx="0">
-            <a:schemeClr val="accent1"/>
-          </a:effectRef>
-          <a:fontRef idx="minor">
-            <a:schemeClr val="lt1"/>
-          </a:fontRef>
-        </p:style>
-        <p:txBody>
-          <a:bodyPr wrap="none" lIns="216000" tIns="0" rIns="216000" bIns="0" rtlCol="0" anchor="ctr" anchorCtr="0">
-            <a:spAutoFit/>
-          </a:bodyPr>
-          <a:lstStyle/>
-          <a:p>
-            <a:r>
-              <a:rPr lang="en-US" sz="6000" b="1" dirty="0">
-                <a:solidFill>
-                  <a:srgbClr val="083C51"/>
-                </a:solidFill>
-              </a:rPr>
-              <a:t>Thank You</a:t>
-            </a:r>
-          </a:p>
-          <a:p>
-            <a:endParaRPr lang="en-US" sz="6000" b="1" dirty="0">
-              <a:solidFill>
-                <a:srgbClr val="083C51"/>
-              </a:solidFill>
-            </a:endParaRPr>
-          </a:p>
-        </p:txBody>
-      </p:sp>
     </p:spTree>
     <p:extLst>
       <p:ext uri="{BB962C8B-B14F-4D97-AF65-F5344CB8AC3E}">
-        <p14:creationId xmlns:p14="http://schemas.microsoft.com/office/powerpoint/2010/main" val="1912050365"/>
+        <p14:creationId xmlns:p14="http://schemas.microsoft.com/office/powerpoint/2010/main" val="4292376121"/>
       </p:ext>
     </p:extLst>
   </p:cSld>
